--- a/paper/Rits_Format_en.pptx
+++ b/paper/Rits_Format_en.pptx
@@ -107,6 +107,11 @@
       </a:defRPr>
     </a:lvl9pPr>
   </p:defaultTextStyle>
+  <p:extLst>
+    <p:ext uri="{EFAFB233-063F-42B5-8137-9DF3F51BA10A}">
+      <p15:sldGuideLst xmlns:p15="http://schemas.microsoft.com/office/powerpoint/2012/main"/>
+    </p:ext>
+  </p:extLst>
 </p:presentation>
 </file>
 
@@ -1672,10 +1677,17 @@
         </p:spPr>
         <p:txBody>
           <a:bodyPr/>
-          <a:lstStyle/>
-          <a:p>
-            <a:r>
-              <a:rPr kumimoji="1" lang="ja-JP" altLang="en-US"/>
+          <a:lstStyle>
+            <a:lvl1pPr>
+              <a:defRPr>
+                <a:latin typeface="Times New Roman" panose="02020603050405020304" pitchFamily="18" charset="0"/>
+                <a:cs typeface="Times New Roman" panose="02020603050405020304" pitchFamily="18" charset="0"/>
+              </a:defRPr>
+            </a:lvl1pPr>
+          </a:lstStyle>
+          <a:p>
+            <a:r>
+              <a:rPr kumimoji="1" lang="ja-JP" altLang="en-US" dirty="0"/>
               <a:t>マスター タイトルの書式設定</a:t>
             </a:r>
           </a:p>
@@ -1705,7 +1717,38 @@
         </p:spPr>
         <p:txBody>
           <a:bodyPr/>
-          <a:lstStyle/>
+          <a:lstStyle>
+            <a:lvl1pPr>
+              <a:defRPr>
+                <a:latin typeface="Times New Roman" panose="02020603050405020304" pitchFamily="18" charset="0"/>
+                <a:cs typeface="Times New Roman" panose="02020603050405020304" pitchFamily="18" charset="0"/>
+              </a:defRPr>
+            </a:lvl1pPr>
+            <a:lvl2pPr>
+              <a:defRPr>
+                <a:latin typeface="Times New Roman" panose="02020603050405020304" pitchFamily="18" charset="0"/>
+                <a:cs typeface="Times New Roman" panose="02020603050405020304" pitchFamily="18" charset="0"/>
+              </a:defRPr>
+            </a:lvl2pPr>
+            <a:lvl3pPr>
+              <a:defRPr>
+                <a:latin typeface="Times New Roman" panose="02020603050405020304" pitchFamily="18" charset="0"/>
+                <a:cs typeface="Times New Roman" panose="02020603050405020304" pitchFamily="18" charset="0"/>
+              </a:defRPr>
+            </a:lvl3pPr>
+            <a:lvl4pPr>
+              <a:defRPr>
+                <a:latin typeface="Times New Roman" panose="02020603050405020304" pitchFamily="18" charset="0"/>
+                <a:cs typeface="Times New Roman" panose="02020603050405020304" pitchFamily="18" charset="0"/>
+              </a:defRPr>
+            </a:lvl4pPr>
+            <a:lvl5pPr>
+              <a:defRPr>
+                <a:latin typeface="Times New Roman" panose="02020603050405020304" pitchFamily="18" charset="0"/>
+                <a:cs typeface="Times New Roman" panose="02020603050405020304" pitchFamily="18" charset="0"/>
+              </a:defRPr>
+            </a:lvl5pPr>
+          </a:lstStyle>
           <a:p>
             <a:pPr lvl="0"/>
             <a:r>
@@ -4628,7 +4671,7 @@
           <p:cNvPr id="2" name="字幕 1">
             <a:extLst>
               <a:ext uri="{FF2B5EF4-FFF2-40B4-BE49-F238E27FC236}">
-                <a16:creationId xmlns:a16="http://schemas.microsoft.com/office/drawing/2014/main" id="{DC9B4D7B-351E-4936-9FB4-22E0BCF70E69}"/>
+                <a16:creationId xmlns:a16="http://schemas.microsoft.com/office/drawing/2014/main" id="{31344270-ACA6-45FC-97E0-4A36622BF0BE}"/>
               </a:ext>
             </a:extLst>
           </p:cNvPr>
@@ -4670,7 +4713,7 @@
               <a:rPr lang="en-US" altLang="ja-JP" b="0" dirty="0"/>
               <a:t> University, Japan</a:t>
             </a:r>
-            <a:endParaRPr lang="en-US" altLang="ja-JP" sz="1100" b="0" dirty="0"/>
+            <a:endParaRPr lang="en-US" altLang="ja-JP" sz="1800" b="0" dirty="0"/>
           </a:p>
         </p:txBody>
       </p:sp>
@@ -4679,7 +4722,7 @@
           <p:cNvPr id="3" name="スライド番号プレースホルダー 2">
             <a:extLst>
               <a:ext uri="{FF2B5EF4-FFF2-40B4-BE49-F238E27FC236}">
-                <a16:creationId xmlns:a16="http://schemas.microsoft.com/office/drawing/2014/main" id="{B56B8B0E-55A9-4B58-91BF-345D1FCA9F3D}"/>
+                <a16:creationId xmlns:a16="http://schemas.microsoft.com/office/drawing/2014/main" id="{285D65BA-FC60-4F16-BE12-A0D7E54EA180}"/>
               </a:ext>
             </a:extLst>
           </p:cNvPr>
@@ -4709,7 +4752,7 @@
           <p:cNvPr id="4" name="タイトル 3">
             <a:extLst>
               <a:ext uri="{FF2B5EF4-FFF2-40B4-BE49-F238E27FC236}">
-                <a16:creationId xmlns:a16="http://schemas.microsoft.com/office/drawing/2014/main" id="{2378D2B3-23FA-40A9-9447-57D48604565F}"/>
+                <a16:creationId xmlns:a16="http://schemas.microsoft.com/office/drawing/2014/main" id="{F904ED9C-F942-4218-8EC4-614C54D85068}"/>
               </a:ext>
             </a:extLst>
           </p:cNvPr>
@@ -4732,7 +4775,7 @@
     </p:spTree>
     <p:extLst>
       <p:ext uri="{BB962C8B-B14F-4D97-AF65-F5344CB8AC3E}">
-        <p14:creationId xmlns:p14="http://schemas.microsoft.com/office/powerpoint/2010/main" val="43862137"/>
+        <p14:creationId xmlns:p14="http://schemas.microsoft.com/office/powerpoint/2010/main" val="272052933"/>
       </p:ext>
     </p:extLst>
   </p:cSld>

--- a/paper/Rits_Format_en.pptx
+++ b/paper/Rits_Format_en.pptx
@@ -448,7 +448,7 @@
           <a:p>
             <a:fld id="{4422507A-29CE-4FCB-8EEC-8E792EA02E35}" type="datetimeFigureOut">
               <a:rPr kumimoji="1" lang="ja-JP" altLang="en-US" smtClean="0"/>
-              <a:t>2020/11/23</a:t>
+              <a:t>2020/11/24</a:t>
             </a:fld>
             <a:endParaRPr kumimoji="1" lang="ja-JP" altLang="en-US"/>
           </a:p>
@@ -832,38 +832,8 @@
           <a:p>
             <a:fld id="{A98D3432-C38B-446E-969A-78567292025D}" type="datetime1">
               <a:rPr kumimoji="1" lang="ja-JP" altLang="en-US" smtClean="0"/>
-              <a:t>2020/11/23</a:t>
+              <a:t>2020/11/24</a:t>
             </a:fld>
-            <a:endParaRPr kumimoji="1" lang="ja-JP" altLang="en-US"/>
-          </a:p>
-        </p:txBody>
-      </p:sp>
-      <p:sp>
-        <p:nvSpPr>
-          <p:cNvPr id="9" name="フッター プレースホルダー 4">
-            <a:extLst>
-              <a:ext uri="{FF2B5EF4-FFF2-40B4-BE49-F238E27FC236}">
-                <a16:creationId xmlns:a16="http://schemas.microsoft.com/office/drawing/2014/main" id="{6C501DA0-A335-4866-BFD4-3297D5D23830}"/>
-              </a:ext>
-            </a:extLst>
-          </p:cNvPr>
-          <p:cNvSpPr>
-            <a:spLocks noGrp="1"/>
-          </p:cNvSpPr>
-          <p:nvPr>
-            <p:ph type="ftr" sz="quarter" idx="11"/>
-          </p:nvPr>
-        </p:nvSpPr>
-        <p:spPr>
-          <a:xfrm>
-            <a:off x="4038600" y="6356350"/>
-            <a:ext cx="4114800" cy="365125"/>
-          </a:xfrm>
-        </p:spPr>
-        <p:txBody>
-          <a:bodyPr/>
-          <a:lstStyle/>
-          <a:p>
             <a:endParaRPr kumimoji="1" lang="ja-JP" altLang="en-US"/>
           </a:p>
         </p:txBody>
@@ -1153,6 +1123,36 @@
           </a:p>
         </p:txBody>
       </p:sp>
+      <p:sp>
+        <p:nvSpPr>
+          <p:cNvPr id="9" name="フッター プレースホルダー 4">
+            <a:extLst>
+              <a:ext uri="{FF2B5EF4-FFF2-40B4-BE49-F238E27FC236}">
+                <a16:creationId xmlns:a16="http://schemas.microsoft.com/office/drawing/2014/main" id="{6C501DA0-A335-4866-BFD4-3297D5D23830}"/>
+              </a:ext>
+            </a:extLst>
+          </p:cNvPr>
+          <p:cNvSpPr>
+            <a:spLocks noGrp="1"/>
+          </p:cNvSpPr>
+          <p:nvPr>
+            <p:ph type="ftr" sz="quarter" idx="11"/>
+          </p:nvPr>
+        </p:nvSpPr>
+        <p:spPr>
+          <a:xfrm>
+            <a:off x="1440000" y="6444000"/>
+            <a:ext cx="9936000" cy="365125"/>
+          </a:xfrm>
+        </p:spPr>
+        <p:txBody>
+          <a:bodyPr/>
+          <a:lstStyle/>
+          <a:p>
+            <a:endParaRPr kumimoji="1" lang="ja-JP" altLang="en-US"/>
+          </a:p>
+        </p:txBody>
+      </p:sp>
     </p:spTree>
     <p:extLst>
       <p:ext uri="{BB962C8B-B14F-4D97-AF65-F5344CB8AC3E}">
@@ -1323,7 +1323,7 @@
           <a:p>
             <a:fld id="{05B662BA-D465-4C44-BE2B-F2A8D4F2B289}" type="datetime1">
               <a:rPr kumimoji="1" lang="ja-JP" altLang="en-US" smtClean="0"/>
-              <a:t>2020/11/23</a:t>
+              <a:t>2020/11/24</a:t>
             </a:fld>
             <a:endParaRPr kumimoji="1" lang="ja-JP" altLang="en-US"/>
           </a:p>
@@ -1563,7 +1563,7 @@
           <a:p>
             <a:fld id="{A4B4DDCD-FB98-44E4-BDAA-3DB16A47270F}" type="datetime1">
               <a:rPr kumimoji="1" lang="ja-JP" altLang="en-US" smtClean="0"/>
-              <a:t>2020/11/23</a:t>
+              <a:t>2020/11/24</a:t>
             </a:fld>
             <a:endParaRPr kumimoji="1" lang="ja-JP" altLang="en-US"/>
           </a:p>
@@ -1846,38 +1846,8 @@
           <a:p>
             <a:fld id="{DFD2984D-04FA-418A-85DE-0DB3CB16783E}" type="datetime1">
               <a:rPr kumimoji="1" lang="ja-JP" altLang="en-US" smtClean="0"/>
-              <a:t>2020/11/23</a:t>
+              <a:t>2020/11/24</a:t>
             </a:fld>
-            <a:endParaRPr kumimoji="1" lang="ja-JP" altLang="en-US"/>
-          </a:p>
-        </p:txBody>
-      </p:sp>
-      <p:sp>
-        <p:nvSpPr>
-          <p:cNvPr id="10" name="フッター プレースホルダー 4">
-            <a:extLst>
-              <a:ext uri="{FF2B5EF4-FFF2-40B4-BE49-F238E27FC236}">
-                <a16:creationId xmlns:a16="http://schemas.microsoft.com/office/drawing/2014/main" id="{DAB85368-2961-49E6-BEAF-C27926D9625F}"/>
-              </a:ext>
-            </a:extLst>
-          </p:cNvPr>
-          <p:cNvSpPr>
-            <a:spLocks noGrp="1"/>
-          </p:cNvSpPr>
-          <p:nvPr>
-            <p:ph type="ftr" sz="quarter" idx="11"/>
-          </p:nvPr>
-        </p:nvSpPr>
-        <p:spPr>
-          <a:xfrm>
-            <a:off x="4038600" y="6356350"/>
-            <a:ext cx="4114800" cy="365125"/>
-          </a:xfrm>
-        </p:spPr>
-        <p:txBody>
-          <a:bodyPr/>
-          <a:lstStyle/>
-          <a:p>
             <a:endParaRPr kumimoji="1" lang="ja-JP" altLang="en-US"/>
           </a:p>
         </p:txBody>
@@ -2070,6 +2040,36 @@
           </p:spPr>
         </p:pic>
       </p:grpSp>
+      <p:sp>
+        <p:nvSpPr>
+          <p:cNvPr id="10" name="フッター プレースホルダー 4">
+            <a:extLst>
+              <a:ext uri="{FF2B5EF4-FFF2-40B4-BE49-F238E27FC236}">
+                <a16:creationId xmlns:a16="http://schemas.microsoft.com/office/drawing/2014/main" id="{DAB85368-2961-49E6-BEAF-C27926D9625F}"/>
+              </a:ext>
+            </a:extLst>
+          </p:cNvPr>
+          <p:cNvSpPr>
+            <a:spLocks noGrp="1"/>
+          </p:cNvSpPr>
+          <p:nvPr>
+            <p:ph type="ftr" sz="quarter" idx="11"/>
+          </p:nvPr>
+        </p:nvSpPr>
+        <p:spPr>
+          <a:xfrm>
+            <a:off x="1440000" y="6444000"/>
+            <a:ext cx="9936000" cy="365125"/>
+          </a:xfrm>
+        </p:spPr>
+        <p:txBody>
+          <a:bodyPr/>
+          <a:lstStyle/>
+          <a:p>
+            <a:endParaRPr kumimoji="1" lang="ja-JP" altLang="en-US" dirty="0"/>
+          </a:p>
+        </p:txBody>
+      </p:sp>
     </p:spTree>
     <p:extLst>
       <p:ext uri="{BB962C8B-B14F-4D97-AF65-F5344CB8AC3E}">
@@ -2285,7 +2285,7 @@
           <a:p>
             <a:fld id="{4CBACEDF-020F-4270-BF0A-980F8136E038}" type="datetime1">
               <a:rPr kumimoji="1" lang="ja-JP" altLang="en-US" smtClean="0"/>
-              <a:t>2020/11/23</a:t>
+              <a:t>2020/11/24</a:t>
             </a:fld>
             <a:endParaRPr kumimoji="1" lang="ja-JP" altLang="en-US"/>
           </a:p>
@@ -2614,7 +2614,7 @@
           <a:p>
             <a:fld id="{777E2237-9B3F-4231-B30C-59668B530BD1}" type="datetime1">
               <a:rPr kumimoji="1" lang="ja-JP" altLang="en-US" smtClean="0"/>
-              <a:t>2020/11/23</a:t>
+              <a:t>2020/11/24</a:t>
             </a:fld>
             <a:endParaRPr kumimoji="1" lang="ja-JP" altLang="en-US"/>
           </a:p>
@@ -3090,7 +3090,7 @@
           <a:p>
             <a:fld id="{FC32FA7D-BC1F-4F29-8624-3C079AC63AB5}" type="datetime1">
               <a:rPr kumimoji="1" lang="ja-JP" altLang="en-US" smtClean="0"/>
-              <a:t>2020/11/23</a:t>
+              <a:t>2020/11/24</a:t>
             </a:fld>
             <a:endParaRPr kumimoji="1" lang="ja-JP" altLang="en-US"/>
           </a:p>
@@ -3231,7 +3231,7 @@
           <a:p>
             <a:fld id="{3C84FD27-4E70-444C-BEAA-8F4375C442D0}" type="datetime1">
               <a:rPr kumimoji="1" lang="ja-JP" altLang="en-US" smtClean="0"/>
-              <a:t>2020/11/23</a:t>
+              <a:t>2020/11/24</a:t>
             </a:fld>
             <a:endParaRPr kumimoji="1" lang="ja-JP" altLang="en-US"/>
           </a:p>
@@ -3344,7 +3344,7 @@
           <a:p>
             <a:fld id="{948AA4EF-B642-4876-A0D8-C1A1222FECFF}" type="datetime1">
               <a:rPr kumimoji="1" lang="ja-JP" altLang="en-US" smtClean="0"/>
-              <a:t>2020/11/23</a:t>
+              <a:t>2020/11/24</a:t>
             </a:fld>
             <a:endParaRPr kumimoji="1" lang="ja-JP" altLang="en-US"/>
           </a:p>
@@ -3687,7 +3687,7 @@
           <a:p>
             <a:fld id="{11B8299D-EABC-4EEB-90B0-DD13FA256803}" type="datetime1">
               <a:rPr kumimoji="1" lang="ja-JP" altLang="en-US" smtClean="0"/>
-              <a:t>2020/11/23</a:t>
+              <a:t>2020/11/24</a:t>
             </a:fld>
             <a:endParaRPr kumimoji="1" lang="ja-JP" altLang="en-US"/>
           </a:p>
@@ -3975,7 +3975,7 @@
           <a:p>
             <a:fld id="{2CB9F4AB-19AE-4711-AA92-655F76F7355A}" type="datetime1">
               <a:rPr kumimoji="1" lang="ja-JP" altLang="en-US" smtClean="0"/>
-              <a:t>2020/11/23</a:t>
+              <a:t>2020/11/24</a:t>
             </a:fld>
             <a:endParaRPr kumimoji="1" lang="ja-JP" altLang="en-US"/>
           </a:p>
@@ -4248,7 +4248,7 @@
           <a:p>
             <a:fld id="{10A34200-B792-42A2-9C71-FE89F6DBFDEA}" type="datetime1">
               <a:rPr kumimoji="1" lang="ja-JP" altLang="en-US" smtClean="0"/>
-              <a:t>2020/11/23</a:t>
+              <a:t>2020/11/24</a:t>
             </a:fld>
             <a:endParaRPr kumimoji="1" lang="ja-JP" altLang="en-US"/>
           </a:p>

--- a/paper/Rits_Format_en.pptx
+++ b/paper/Rits_Format_en.pptx
@@ -1147,9 +1147,19 @@
         </p:spPr>
         <p:txBody>
           <a:bodyPr/>
-          <a:lstStyle/>
-          <a:p>
-            <a:endParaRPr kumimoji="1" lang="ja-JP" altLang="en-US"/>
+          <a:lstStyle>
+            <a:lvl1pPr algn="l">
+              <a:defRPr sz="1400">
+                <a:solidFill>
+                  <a:schemeClr val="bg1"/>
+                </a:solidFill>
+                <a:latin typeface="Arial" panose="020B0604020202020204" pitchFamily="34" charset="0"/>
+                <a:cs typeface="Arial" panose="020B0604020202020204" pitchFamily="34" charset="0"/>
+              </a:defRPr>
+            </a:lvl1pPr>
+          </a:lstStyle>
+          <a:p>
+            <a:endParaRPr lang="ja-JP" altLang="en-US" dirty="0"/>
           </a:p>
         </p:txBody>
       </p:sp>
@@ -2064,9 +2074,19 @@
         </p:spPr>
         <p:txBody>
           <a:bodyPr/>
-          <a:lstStyle/>
-          <a:p>
-            <a:endParaRPr kumimoji="1" lang="ja-JP" altLang="en-US" dirty="0"/>
+          <a:lstStyle>
+            <a:lvl1pPr algn="l">
+              <a:defRPr sz="1400">
+                <a:solidFill>
+                  <a:schemeClr val="bg1"/>
+                </a:solidFill>
+                <a:latin typeface="Arial" panose="020B0604020202020204" pitchFamily="34" charset="0"/>
+                <a:cs typeface="Arial" panose="020B0604020202020204" pitchFamily="34" charset="0"/>
+              </a:defRPr>
+            </a:lvl1pPr>
+          </a:lstStyle>
+          <a:p>
+            <a:endParaRPr lang="ja-JP" altLang="en-US" dirty="0"/>
           </a:p>
         </p:txBody>
       </p:sp>

--- a/paper/Rits_Format_en.pptx
+++ b/paper/Rits_Format_en.pptx
@@ -782,8 +782,8 @@
         </p:nvSpPr>
         <p:spPr>
           <a:xfrm>
-            <a:off x="7741023" y="1948503"/>
-            <a:ext cx="4114800" cy="849647"/>
+            <a:off x="5760000" y="1944000"/>
+            <a:ext cx="4860000" cy="1080000"/>
           </a:xfrm>
         </p:spPr>
         <p:txBody>
@@ -793,7 +793,7 @@
           <a:lstStyle>
             <a:lvl1pPr marL="0" indent="0" algn="r">
               <a:buNone/>
-              <a:defRPr sz="1600" b="1">
+              <a:defRPr sz="2400" b="1">
                 <a:latin typeface="Times New Roman" panose="02020603050405020304" pitchFamily="18" charset="0"/>
                 <a:cs typeface="Times New Roman" panose="02020603050405020304" pitchFamily="18" charset="0"/>
               </a:defRPr>
@@ -4691,7 +4691,7 @@
           <p:cNvPr id="2" name="字幕 1">
             <a:extLst>
               <a:ext uri="{FF2B5EF4-FFF2-40B4-BE49-F238E27FC236}">
-                <a16:creationId xmlns:a16="http://schemas.microsoft.com/office/drawing/2014/main" id="{31344270-ACA6-45FC-97E0-4A36622BF0BE}"/>
+                <a16:creationId xmlns:a16="http://schemas.microsoft.com/office/drawing/2014/main" id="{F958915B-A603-46E0-86F5-20E24B0C2928}"/>
               </a:ext>
             </a:extLst>
           </p:cNvPr>
@@ -4708,32 +4708,28 @@
           <a:lstStyle/>
           <a:p>
             <a:r>
-              <a:rPr lang="en-US" altLang="ja-JP" sz="2000" u="sng" dirty="0" err="1"/>
+              <a:rPr lang="en-US" altLang="ja-JP" u="sng" dirty="0" err="1"/>
               <a:t>Atsuhiro</a:t>
             </a:r>
             <a:r>
-              <a:rPr lang="ja-JP" altLang="en-US" sz="2000" u="sng" dirty="0"/>
-              <a:t> </a:t>
-            </a:r>
-            <a:r>
-              <a:rPr lang="en-US" altLang="ja-JP" sz="2000" u="sng" dirty="0"/>
-              <a:t>FUJII</a:t>
-            </a:r>
-            <a:r>
-              <a:rPr lang="en-US" altLang="ja-JP" sz="2000" dirty="0"/>
-              <a:t> / Kazuya MURAO</a:t>
-            </a:r>
-          </a:p>
-          <a:p>
-            <a:r>
-              <a:rPr lang="en-US" altLang="ja-JP" b="0" dirty="0" err="1"/>
+              <a:rPr lang="en-US" altLang="ja-JP" u="sng" dirty="0"/>
+              <a:t> FUJII</a:t>
+            </a:r>
+            <a:r>
+              <a:rPr lang="en-US" altLang="ja-JP" dirty="0"/>
+              <a:t>, Kazuya MURAO</a:t>
+            </a:r>
+          </a:p>
+          <a:p>
+            <a:r>
+              <a:rPr lang="en-US" altLang="ja-JP" sz="1800" b="0" dirty="0" err="1"/>
               <a:t>Ritsumeikan</a:t>
             </a:r>
             <a:r>
-              <a:rPr lang="en-US" altLang="ja-JP" b="0" dirty="0"/>
+              <a:rPr lang="en-US" altLang="ja-JP" sz="1800" b="0" dirty="0"/>
               <a:t> University, Japan</a:t>
             </a:r>
-            <a:endParaRPr lang="en-US" altLang="ja-JP" sz="1800" b="0" dirty="0"/>
+            <a:endParaRPr lang="en-US" altLang="ja-JP" b="0" dirty="0"/>
           </a:p>
         </p:txBody>
       </p:sp>
@@ -4742,7 +4738,7 @@
           <p:cNvPr id="3" name="スライド番号プレースホルダー 2">
             <a:extLst>
               <a:ext uri="{FF2B5EF4-FFF2-40B4-BE49-F238E27FC236}">
-                <a16:creationId xmlns:a16="http://schemas.microsoft.com/office/drawing/2014/main" id="{285D65BA-FC60-4F16-BE12-A0D7E54EA180}"/>
+                <a16:creationId xmlns:a16="http://schemas.microsoft.com/office/drawing/2014/main" id="{BEA5001F-156A-4985-ACEC-A32A6451D9E7}"/>
               </a:ext>
             </a:extLst>
           </p:cNvPr>
@@ -4772,7 +4768,7 @@
           <p:cNvPr id="4" name="タイトル 3">
             <a:extLst>
               <a:ext uri="{FF2B5EF4-FFF2-40B4-BE49-F238E27FC236}">
-                <a16:creationId xmlns:a16="http://schemas.microsoft.com/office/drawing/2014/main" id="{F904ED9C-F942-4218-8EC4-614C54D85068}"/>
+                <a16:creationId xmlns:a16="http://schemas.microsoft.com/office/drawing/2014/main" id="{D64E4B8E-E3FD-42E5-92B5-AEADDF4076A5}"/>
               </a:ext>
             </a:extLst>
           </p:cNvPr>
@@ -4795,7 +4791,7 @@
     </p:spTree>
     <p:extLst>
       <p:ext uri="{BB962C8B-B14F-4D97-AF65-F5344CB8AC3E}">
-        <p14:creationId xmlns:p14="http://schemas.microsoft.com/office/powerpoint/2010/main" val="272052933"/>
+        <p14:creationId xmlns:p14="http://schemas.microsoft.com/office/powerpoint/2010/main" val="968595119"/>
       </p:ext>
     </p:extLst>
   </p:cSld>

--- a/paper/Rits_Format_en.pptx
+++ b/paper/Rits_Format_en.pptx
@@ -448,7 +448,7 @@
           <a:p>
             <a:fld id="{4422507A-29CE-4FCB-8EEC-8E792EA02E35}" type="datetimeFigureOut">
               <a:rPr kumimoji="1" lang="ja-JP" altLang="en-US" smtClean="0"/>
-              <a:t>2020/11/24</a:t>
+              <a:t>2020/12/2</a:t>
             </a:fld>
             <a:endParaRPr kumimoji="1" lang="ja-JP" altLang="en-US"/>
           </a:p>
@@ -832,7 +832,7 @@
           <a:p>
             <a:fld id="{A98D3432-C38B-446E-969A-78567292025D}" type="datetime1">
               <a:rPr kumimoji="1" lang="ja-JP" altLang="en-US" smtClean="0"/>
-              <a:t>2020/11/24</a:t>
+              <a:t>2020/12/2</a:t>
             </a:fld>
             <a:endParaRPr kumimoji="1" lang="ja-JP" altLang="en-US"/>
           </a:p>
@@ -908,7 +908,7 @@
         </p:nvSpPr>
         <p:spPr>
           <a:xfrm>
-            <a:off x="11052000" y="6405411"/>
+            <a:off x="11052000" y="6415200"/>
             <a:ext cx="930088" cy="452589"/>
           </a:xfrm>
         </p:spPr>
@@ -1333,7 +1333,7 @@
           <a:p>
             <a:fld id="{05B662BA-D465-4C44-BE2B-F2A8D4F2B289}" type="datetime1">
               <a:rPr kumimoji="1" lang="ja-JP" altLang="en-US" smtClean="0"/>
-              <a:t>2020/11/24</a:t>
+              <a:t>2020/12/2</a:t>
             </a:fld>
             <a:endParaRPr kumimoji="1" lang="ja-JP" altLang="en-US"/>
           </a:p>
@@ -1573,7 +1573,7 @@
           <a:p>
             <a:fld id="{A4B4DDCD-FB98-44E4-BDAA-3DB16A47270F}" type="datetime1">
               <a:rPr kumimoji="1" lang="ja-JP" altLang="en-US" smtClean="0"/>
-              <a:t>2020/11/24</a:t>
+              <a:t>2020/12/2</a:t>
             </a:fld>
             <a:endParaRPr kumimoji="1" lang="ja-JP" altLang="en-US"/>
           </a:p>
@@ -1856,7 +1856,7 @@
           <a:p>
             <a:fld id="{DFD2984D-04FA-418A-85DE-0DB3CB16783E}" type="datetime1">
               <a:rPr kumimoji="1" lang="ja-JP" altLang="en-US" smtClean="0"/>
-              <a:t>2020/11/24</a:t>
+              <a:t>2020/12/2</a:t>
             </a:fld>
             <a:endParaRPr kumimoji="1" lang="ja-JP" altLang="en-US"/>
           </a:p>
@@ -1932,7 +1932,7 @@
         </p:nvSpPr>
         <p:spPr>
           <a:xfrm>
-            <a:off x="11052000" y="6405410"/>
+            <a:off x="11052000" y="6415200"/>
             <a:ext cx="930088" cy="452589"/>
           </a:xfrm>
         </p:spPr>
@@ -2305,7 +2305,7 @@
           <a:p>
             <a:fld id="{4CBACEDF-020F-4270-BF0A-980F8136E038}" type="datetime1">
               <a:rPr kumimoji="1" lang="ja-JP" altLang="en-US" smtClean="0"/>
-              <a:t>2020/11/24</a:t>
+              <a:t>2020/12/2</a:t>
             </a:fld>
             <a:endParaRPr kumimoji="1" lang="ja-JP" altLang="en-US"/>
           </a:p>
@@ -2634,7 +2634,7 @@
           <a:p>
             <a:fld id="{777E2237-9B3F-4231-B30C-59668B530BD1}" type="datetime1">
               <a:rPr kumimoji="1" lang="ja-JP" altLang="en-US" smtClean="0"/>
-              <a:t>2020/11/24</a:t>
+              <a:t>2020/12/2</a:t>
             </a:fld>
             <a:endParaRPr kumimoji="1" lang="ja-JP" altLang="en-US"/>
           </a:p>
@@ -3110,7 +3110,7 @@
           <a:p>
             <a:fld id="{FC32FA7D-BC1F-4F29-8624-3C079AC63AB5}" type="datetime1">
               <a:rPr kumimoji="1" lang="ja-JP" altLang="en-US" smtClean="0"/>
-              <a:t>2020/11/24</a:t>
+              <a:t>2020/12/2</a:t>
             </a:fld>
             <a:endParaRPr kumimoji="1" lang="ja-JP" altLang="en-US"/>
           </a:p>
@@ -3251,7 +3251,7 @@
           <a:p>
             <a:fld id="{3C84FD27-4E70-444C-BEAA-8F4375C442D0}" type="datetime1">
               <a:rPr kumimoji="1" lang="ja-JP" altLang="en-US" smtClean="0"/>
-              <a:t>2020/11/24</a:t>
+              <a:t>2020/12/2</a:t>
             </a:fld>
             <a:endParaRPr kumimoji="1" lang="ja-JP" altLang="en-US"/>
           </a:p>
@@ -3364,7 +3364,7 @@
           <a:p>
             <a:fld id="{948AA4EF-B642-4876-A0D8-C1A1222FECFF}" type="datetime1">
               <a:rPr kumimoji="1" lang="ja-JP" altLang="en-US" smtClean="0"/>
-              <a:t>2020/11/24</a:t>
+              <a:t>2020/12/2</a:t>
             </a:fld>
             <a:endParaRPr kumimoji="1" lang="ja-JP" altLang="en-US"/>
           </a:p>
@@ -3707,7 +3707,7 @@
           <a:p>
             <a:fld id="{11B8299D-EABC-4EEB-90B0-DD13FA256803}" type="datetime1">
               <a:rPr kumimoji="1" lang="ja-JP" altLang="en-US" smtClean="0"/>
-              <a:t>2020/11/24</a:t>
+              <a:t>2020/12/2</a:t>
             </a:fld>
             <a:endParaRPr kumimoji="1" lang="ja-JP" altLang="en-US"/>
           </a:p>
@@ -3995,7 +3995,7 @@
           <a:p>
             <a:fld id="{2CB9F4AB-19AE-4711-AA92-655F76F7355A}" type="datetime1">
               <a:rPr kumimoji="1" lang="ja-JP" altLang="en-US" smtClean="0"/>
-              <a:t>2020/11/24</a:t>
+              <a:t>2020/12/2</a:t>
             </a:fld>
             <a:endParaRPr kumimoji="1" lang="ja-JP" altLang="en-US"/>
           </a:p>
@@ -4268,7 +4268,7 @@
           <a:p>
             <a:fld id="{10A34200-B792-42A2-9C71-FE89F6DBFDEA}" type="datetime1">
               <a:rPr kumimoji="1" lang="ja-JP" altLang="en-US" smtClean="0"/>
-              <a:t>2020/11/24</a:t>
+              <a:t>2020/12/2</a:t>
             </a:fld>
             <a:endParaRPr kumimoji="1" lang="ja-JP" altLang="en-US"/>
           </a:p>
@@ -4691,7 +4691,7 @@
           <p:cNvPr id="2" name="字幕 1">
             <a:extLst>
               <a:ext uri="{FF2B5EF4-FFF2-40B4-BE49-F238E27FC236}">
-                <a16:creationId xmlns:a16="http://schemas.microsoft.com/office/drawing/2014/main" id="{F958915B-A603-46E0-86F5-20E24B0C2928}"/>
+                <a16:creationId xmlns:a16="http://schemas.microsoft.com/office/drawing/2014/main" id="{2F206C54-52F7-4FF2-A9EE-2BAF20003FB7}"/>
               </a:ext>
             </a:extLst>
           </p:cNvPr>
@@ -4738,7 +4738,7 @@
           <p:cNvPr id="3" name="スライド番号プレースホルダー 2">
             <a:extLst>
               <a:ext uri="{FF2B5EF4-FFF2-40B4-BE49-F238E27FC236}">
-                <a16:creationId xmlns:a16="http://schemas.microsoft.com/office/drawing/2014/main" id="{BEA5001F-156A-4985-ACEC-A32A6451D9E7}"/>
+                <a16:creationId xmlns:a16="http://schemas.microsoft.com/office/drawing/2014/main" id="{F41DAA82-3F22-461A-8451-128195816F69}"/>
               </a:ext>
             </a:extLst>
           </p:cNvPr>
@@ -4768,7 +4768,7 @@
           <p:cNvPr id="4" name="タイトル 3">
             <a:extLst>
               <a:ext uri="{FF2B5EF4-FFF2-40B4-BE49-F238E27FC236}">
-                <a16:creationId xmlns:a16="http://schemas.microsoft.com/office/drawing/2014/main" id="{D64E4B8E-E3FD-42E5-92B5-AEADDF4076A5}"/>
+                <a16:creationId xmlns:a16="http://schemas.microsoft.com/office/drawing/2014/main" id="{3C86E9A3-7836-417E-84A4-AE2085EDDB54}"/>
               </a:ext>
             </a:extLst>
           </p:cNvPr>
@@ -4791,7 +4791,7 @@
     </p:spTree>
     <p:extLst>
       <p:ext uri="{BB962C8B-B14F-4D97-AF65-F5344CB8AC3E}">
-        <p14:creationId xmlns:p14="http://schemas.microsoft.com/office/powerpoint/2010/main" val="968595119"/>
+        <p14:creationId xmlns:p14="http://schemas.microsoft.com/office/powerpoint/2010/main" val="2681219381"/>
       </p:ext>
     </p:extLst>
   </p:cSld>

--- a/paper/Rits_Format_en.pptx
+++ b/paper/Rits_Format_en.pptx
@@ -448,7 +448,7 @@
           <a:p>
             <a:fld id="{4422507A-29CE-4FCB-8EEC-8E792EA02E35}" type="datetimeFigureOut">
               <a:rPr kumimoji="1" lang="ja-JP" altLang="en-US" smtClean="0"/>
-              <a:t>2020/12/2</a:t>
+              <a:t>2021/8/24</a:t>
             </a:fld>
             <a:endParaRPr kumimoji="1" lang="ja-JP" altLang="en-US"/>
           </a:p>
@@ -782,7 +782,7 @@
         </p:nvSpPr>
         <p:spPr>
           <a:xfrm>
-            <a:off x="5760000" y="1944000"/>
+            <a:off x="6657044" y="1933893"/>
             <a:ext cx="4860000" cy="1080000"/>
           </a:xfrm>
         </p:spPr>
@@ -794,8 +794,8 @@
             <a:lvl1pPr marL="0" indent="0" algn="r">
               <a:buNone/>
               <a:defRPr sz="2400" b="1">
-                <a:latin typeface="Times New Roman" panose="02020603050405020304" pitchFamily="18" charset="0"/>
-                <a:cs typeface="Times New Roman" panose="02020603050405020304" pitchFamily="18" charset="0"/>
+                <a:latin typeface="Arial" panose="020B0604020202020204" pitchFamily="34" charset="0"/>
+                <a:cs typeface="Arial" panose="020B0604020202020204" pitchFamily="34" charset="0"/>
               </a:defRPr>
             </a:lvl1pPr>
           </a:lstStyle>
@@ -832,7 +832,7 @@
           <a:p>
             <a:fld id="{A98D3432-C38B-446E-969A-78567292025D}" type="datetime1">
               <a:rPr kumimoji="1" lang="ja-JP" altLang="en-US" smtClean="0"/>
-              <a:t>2020/12/2</a:t>
+              <a:t>2021/8/24</a:t>
             </a:fld>
             <a:endParaRPr kumimoji="1" lang="ja-JP" altLang="en-US"/>
           </a:p>
@@ -1113,8 +1113,8 @@
           <a:lstStyle>
             <a:lvl1pPr algn="ctr">
               <a:defRPr sz="2800" b="1">
-                <a:latin typeface="Times New Roman" panose="02020603050405020304" pitchFamily="18" charset="0"/>
-                <a:cs typeface="Times New Roman" panose="02020603050405020304" pitchFamily="18" charset="0"/>
+                <a:latin typeface="Arial" panose="020B0604020202020204" pitchFamily="34" charset="0"/>
+                <a:cs typeface="Arial" panose="020B0604020202020204" pitchFamily="34" charset="0"/>
               </a:defRPr>
             </a:lvl1pPr>
           </a:lstStyle>
@@ -1333,7 +1333,7 @@
           <a:p>
             <a:fld id="{05B662BA-D465-4C44-BE2B-F2A8D4F2B289}" type="datetime1">
               <a:rPr kumimoji="1" lang="ja-JP" altLang="en-US" smtClean="0"/>
-              <a:t>2020/12/2</a:t>
+              <a:t>2021/8/24</a:t>
             </a:fld>
             <a:endParaRPr kumimoji="1" lang="ja-JP" altLang="en-US"/>
           </a:p>
@@ -1573,7 +1573,7 @@
           <a:p>
             <a:fld id="{A4B4DDCD-FB98-44E4-BDAA-3DB16A47270F}" type="datetime1">
               <a:rPr kumimoji="1" lang="ja-JP" altLang="en-US" smtClean="0"/>
-              <a:t>2020/12/2</a:t>
+              <a:t>2021/8/24</a:t>
             </a:fld>
             <a:endParaRPr kumimoji="1" lang="ja-JP" altLang="en-US"/>
           </a:p>
@@ -1690,8 +1690,8 @@
           <a:lstStyle>
             <a:lvl1pPr>
               <a:defRPr>
-                <a:latin typeface="Times New Roman" panose="02020603050405020304" pitchFamily="18" charset="0"/>
-                <a:cs typeface="Times New Roman" panose="02020603050405020304" pitchFamily="18" charset="0"/>
+                <a:latin typeface="Arial" panose="020B0604020202020204" pitchFamily="34" charset="0"/>
+                <a:cs typeface="Arial" panose="020B0604020202020204" pitchFamily="34" charset="0"/>
               </a:defRPr>
             </a:lvl1pPr>
           </a:lstStyle>
@@ -1730,32 +1730,32 @@
           <a:lstStyle>
             <a:lvl1pPr>
               <a:defRPr>
-                <a:latin typeface="Times New Roman" panose="02020603050405020304" pitchFamily="18" charset="0"/>
-                <a:cs typeface="Times New Roman" panose="02020603050405020304" pitchFamily="18" charset="0"/>
+                <a:latin typeface="Arial" panose="020B0604020202020204" pitchFamily="34" charset="0"/>
+                <a:cs typeface="Arial" panose="020B0604020202020204" pitchFamily="34" charset="0"/>
               </a:defRPr>
             </a:lvl1pPr>
             <a:lvl2pPr>
               <a:defRPr>
-                <a:latin typeface="Times New Roman" panose="02020603050405020304" pitchFamily="18" charset="0"/>
-                <a:cs typeface="Times New Roman" panose="02020603050405020304" pitchFamily="18" charset="0"/>
+                <a:latin typeface="Arial" panose="020B0604020202020204" pitchFamily="34" charset="0"/>
+                <a:cs typeface="Arial" panose="020B0604020202020204" pitchFamily="34" charset="0"/>
               </a:defRPr>
             </a:lvl2pPr>
             <a:lvl3pPr>
               <a:defRPr>
-                <a:latin typeface="Times New Roman" panose="02020603050405020304" pitchFamily="18" charset="0"/>
-                <a:cs typeface="Times New Roman" panose="02020603050405020304" pitchFamily="18" charset="0"/>
+                <a:latin typeface="Arial" panose="020B0604020202020204" pitchFamily="34" charset="0"/>
+                <a:cs typeface="Arial" panose="020B0604020202020204" pitchFamily="34" charset="0"/>
               </a:defRPr>
             </a:lvl3pPr>
             <a:lvl4pPr>
               <a:defRPr>
-                <a:latin typeface="Times New Roman" panose="02020603050405020304" pitchFamily="18" charset="0"/>
-                <a:cs typeface="Times New Roman" panose="02020603050405020304" pitchFamily="18" charset="0"/>
+                <a:latin typeface="Arial" panose="020B0604020202020204" pitchFamily="34" charset="0"/>
+                <a:cs typeface="Arial" panose="020B0604020202020204" pitchFamily="34" charset="0"/>
               </a:defRPr>
             </a:lvl4pPr>
             <a:lvl5pPr>
               <a:defRPr>
-                <a:latin typeface="Times New Roman" panose="02020603050405020304" pitchFamily="18" charset="0"/>
-                <a:cs typeface="Times New Roman" panose="02020603050405020304" pitchFamily="18" charset="0"/>
+                <a:latin typeface="Arial" panose="020B0604020202020204" pitchFamily="34" charset="0"/>
+                <a:cs typeface="Arial" panose="020B0604020202020204" pitchFamily="34" charset="0"/>
               </a:defRPr>
             </a:lvl5pPr>
           </a:lstStyle>
@@ -1856,7 +1856,7 @@
           <a:p>
             <a:fld id="{DFD2984D-04FA-418A-85DE-0DB3CB16783E}" type="datetime1">
               <a:rPr kumimoji="1" lang="ja-JP" altLang="en-US" smtClean="0"/>
-              <a:t>2020/12/2</a:t>
+              <a:t>2021/8/24</a:t>
             </a:fld>
             <a:endParaRPr kumimoji="1" lang="ja-JP" altLang="en-US"/>
           </a:p>
@@ -2305,7 +2305,7 @@
           <a:p>
             <a:fld id="{4CBACEDF-020F-4270-BF0A-980F8136E038}" type="datetime1">
               <a:rPr kumimoji="1" lang="ja-JP" altLang="en-US" smtClean="0"/>
-              <a:t>2020/12/2</a:t>
+              <a:t>2021/8/24</a:t>
             </a:fld>
             <a:endParaRPr kumimoji="1" lang="ja-JP" altLang="en-US"/>
           </a:p>
@@ -2634,7 +2634,7 @@
           <a:p>
             <a:fld id="{777E2237-9B3F-4231-B30C-59668B530BD1}" type="datetime1">
               <a:rPr kumimoji="1" lang="ja-JP" altLang="en-US" smtClean="0"/>
-              <a:t>2020/12/2</a:t>
+              <a:t>2021/8/24</a:t>
             </a:fld>
             <a:endParaRPr kumimoji="1" lang="ja-JP" altLang="en-US"/>
           </a:p>
@@ -3110,7 +3110,7 @@
           <a:p>
             <a:fld id="{FC32FA7D-BC1F-4F29-8624-3C079AC63AB5}" type="datetime1">
               <a:rPr kumimoji="1" lang="ja-JP" altLang="en-US" smtClean="0"/>
-              <a:t>2020/12/2</a:t>
+              <a:t>2021/8/24</a:t>
             </a:fld>
             <a:endParaRPr kumimoji="1" lang="ja-JP" altLang="en-US"/>
           </a:p>
@@ -3251,7 +3251,7 @@
           <a:p>
             <a:fld id="{3C84FD27-4E70-444C-BEAA-8F4375C442D0}" type="datetime1">
               <a:rPr kumimoji="1" lang="ja-JP" altLang="en-US" smtClean="0"/>
-              <a:t>2020/12/2</a:t>
+              <a:t>2021/8/24</a:t>
             </a:fld>
             <a:endParaRPr kumimoji="1" lang="ja-JP" altLang="en-US"/>
           </a:p>
@@ -3364,7 +3364,7 @@
           <a:p>
             <a:fld id="{948AA4EF-B642-4876-A0D8-C1A1222FECFF}" type="datetime1">
               <a:rPr kumimoji="1" lang="ja-JP" altLang="en-US" smtClean="0"/>
-              <a:t>2020/12/2</a:t>
+              <a:t>2021/8/24</a:t>
             </a:fld>
             <a:endParaRPr kumimoji="1" lang="ja-JP" altLang="en-US"/>
           </a:p>
@@ -3707,7 +3707,7 @@
           <a:p>
             <a:fld id="{11B8299D-EABC-4EEB-90B0-DD13FA256803}" type="datetime1">
               <a:rPr kumimoji="1" lang="ja-JP" altLang="en-US" smtClean="0"/>
-              <a:t>2020/12/2</a:t>
+              <a:t>2021/8/24</a:t>
             </a:fld>
             <a:endParaRPr kumimoji="1" lang="ja-JP" altLang="en-US"/>
           </a:p>
@@ -3995,7 +3995,7 @@
           <a:p>
             <a:fld id="{2CB9F4AB-19AE-4711-AA92-655F76F7355A}" type="datetime1">
               <a:rPr kumimoji="1" lang="ja-JP" altLang="en-US" smtClean="0"/>
-              <a:t>2020/12/2</a:t>
+              <a:t>2021/8/24</a:t>
             </a:fld>
             <a:endParaRPr kumimoji="1" lang="ja-JP" altLang="en-US"/>
           </a:p>
@@ -4268,7 +4268,7 @@
           <a:p>
             <a:fld id="{10A34200-B792-42A2-9C71-FE89F6DBFDEA}" type="datetime1">
               <a:rPr kumimoji="1" lang="ja-JP" altLang="en-US" smtClean="0"/>
-              <a:t>2020/12/2</a:t>
+              <a:t>2021/8/24</a:t>
             </a:fld>
             <a:endParaRPr kumimoji="1" lang="ja-JP" altLang="en-US"/>
           </a:p>
@@ -4784,7 +4784,7 @@
           <a:bodyPr/>
           <a:lstStyle/>
           <a:p>
-            <a:endParaRPr kumimoji="1" lang="ja-JP" altLang="en-US"/>
+            <a:endParaRPr kumimoji="1" lang="ja-JP" altLang="en-US" dirty="0"/>
           </a:p>
         </p:txBody>
       </p:sp>

--- a/paper/Rits_Format_en.pptx
+++ b/paper/Rits_Format_en.pptx
@@ -4708,15 +4708,15 @@
           <a:lstStyle/>
           <a:p>
             <a:r>
-              <a:rPr lang="en-US" altLang="ja-JP" u="sng" dirty="0" err="1"/>
+              <a:rPr lang="en-US" altLang="ja-JP" sz="2200" u="sng" dirty="0" err="1"/>
               <a:t>Atsuhiro</a:t>
             </a:r>
             <a:r>
-              <a:rPr lang="en-US" altLang="ja-JP" u="sng" dirty="0"/>
+              <a:rPr lang="en-US" altLang="ja-JP" sz="2200" u="sng" dirty="0"/>
               <a:t> FUJII</a:t>
             </a:r>
             <a:r>
-              <a:rPr lang="en-US" altLang="ja-JP" dirty="0"/>
+              <a:rPr lang="en-US" altLang="ja-JP" sz="2200" dirty="0"/>
               <a:t>, Kazuya MURAO</a:t>
             </a:r>
           </a:p>

--- a/paper/Rits_Format_en.pptx
+++ b/paper/Rits_Format_en.pptx
@@ -4781,10 +4781,12 @@
         </p:nvSpPr>
         <p:spPr/>
         <p:txBody>
-          <a:bodyPr/>
+          <a:bodyPr>
+            <a:normAutofit/>
+          </a:bodyPr>
           <a:lstStyle/>
           <a:p>
-            <a:endParaRPr kumimoji="1" lang="ja-JP" altLang="en-US" dirty="0"/>
+            <a:endParaRPr kumimoji="1" lang="ja-JP" altLang="en-US" sz="3200" dirty="0"/>
           </a:p>
         </p:txBody>
       </p:sp>
